--- a/yass.pptx
+++ b/yass.pptx
@@ -217,7 +217,7 @@
           <a:p>
             <a:fld id="{B1A0F37F-6A46-42A2-94DF-9EA80853E4DE}" type="datetimeFigureOut">
               <a:rPr lang="en-US" smtClean="0"/>
-              <a:t>7/1/2018</a:t>
+              <a:t>5/12/2019</a:t>
             </a:fld>
             <a:endParaRPr lang="en-US"/>
           </a:p>
@@ -619,7 +619,7 @@
           <a:p>
             <a:fld id="{8DEB70C1-CC5B-40EB-866E-F70B49586701}" type="datetimeFigureOut">
               <a:rPr lang="en-US" smtClean="0"/>
-              <a:t>7/1/2018</a:t>
+              <a:t>5/12/2019</a:t>
             </a:fld>
             <a:endParaRPr lang="en-US"/>
           </a:p>
@@ -797,7 +797,7 @@
           <a:p>
             <a:fld id="{8DEB70C1-CC5B-40EB-866E-F70B49586701}" type="datetimeFigureOut">
               <a:rPr lang="en-US" smtClean="0"/>
-              <a:t>7/1/2018</a:t>
+              <a:t>5/12/2019</a:t>
             </a:fld>
             <a:endParaRPr lang="en-US"/>
           </a:p>
@@ -980,7 +980,7 @@
           <a:p>
             <a:fld id="{8DEB70C1-CC5B-40EB-866E-F70B49586701}" type="datetimeFigureOut">
               <a:rPr lang="en-US" smtClean="0"/>
-              <a:t>7/1/2018</a:t>
+              <a:t>5/12/2019</a:t>
             </a:fld>
             <a:endParaRPr lang="en-US"/>
           </a:p>
@@ -1161,7 +1161,7 @@
           <a:p>
             <a:fld id="{8DEB70C1-CC5B-40EB-866E-F70B49586701}" type="datetimeFigureOut">
               <a:rPr lang="en-US" smtClean="0"/>
-              <a:t>7/1/2018</a:t>
+              <a:t>5/12/2019</a:t>
             </a:fld>
             <a:endParaRPr lang="en-US"/>
           </a:p>
@@ -1410,7 +1410,7 @@
           <a:p>
             <a:fld id="{8DEB70C1-CC5B-40EB-866E-F70B49586701}" type="datetimeFigureOut">
               <a:rPr lang="en-US" smtClean="0"/>
-              <a:t>7/1/2018</a:t>
+              <a:t>5/12/2019</a:t>
             </a:fld>
             <a:endParaRPr lang="en-US"/>
           </a:p>
@@ -1650,7 +1650,7 @@
           <a:p>
             <a:fld id="{8DEB70C1-CC5B-40EB-866E-F70B49586701}" type="datetimeFigureOut">
               <a:rPr lang="en-US" smtClean="0"/>
-              <a:t>7/1/2018</a:t>
+              <a:t>5/12/2019</a:t>
             </a:fld>
             <a:endParaRPr lang="en-US"/>
           </a:p>
@@ -2020,7 +2020,7 @@
           <a:p>
             <a:fld id="{8DEB70C1-CC5B-40EB-866E-F70B49586701}" type="datetimeFigureOut">
               <a:rPr lang="en-US" smtClean="0"/>
-              <a:t>7/1/2018</a:t>
+              <a:t>5/12/2019</a:t>
             </a:fld>
             <a:endParaRPr lang="en-US"/>
           </a:p>
@@ -2146,7 +2146,7 @@
           <a:p>
             <a:fld id="{8DEB70C1-CC5B-40EB-866E-F70B49586701}" type="datetimeFigureOut">
               <a:rPr lang="en-US" smtClean="0"/>
-              <a:t>7/1/2018</a:t>
+              <a:t>5/12/2019</a:t>
             </a:fld>
             <a:endParaRPr lang="en-US"/>
           </a:p>
@@ -2241,7 +2241,7 @@
           <a:p>
             <a:fld id="{8DEB70C1-CC5B-40EB-866E-F70B49586701}" type="datetimeFigureOut">
               <a:rPr lang="en-US" smtClean="0"/>
-              <a:t>7/1/2018</a:t>
+              <a:t>5/12/2019</a:t>
             </a:fld>
             <a:endParaRPr lang="en-US"/>
           </a:p>
@@ -2521,7 +2521,7 @@
           <a:p>
             <a:fld id="{8DEB70C1-CC5B-40EB-866E-F70B49586701}" type="datetimeFigureOut">
               <a:rPr lang="en-US" smtClean="0"/>
-              <a:t>7/1/2018</a:t>
+              <a:t>5/12/2019</a:t>
             </a:fld>
             <a:endParaRPr lang="en-US"/>
           </a:p>
@@ -2781,7 +2781,7 @@
           <a:p>
             <a:fld id="{8DEB70C1-CC5B-40EB-866E-F70B49586701}" type="datetimeFigureOut">
               <a:rPr lang="en-US" smtClean="0"/>
-              <a:t>7/1/2018</a:t>
+              <a:t>5/12/2019</a:t>
             </a:fld>
             <a:endParaRPr lang="en-US"/>
           </a:p>
@@ -2999,7 +2999,7 @@
           <a:p>
             <a:fld id="{8DEB70C1-CC5B-40EB-866E-F70B49586701}" type="datetimeFigureOut">
               <a:rPr lang="en-US" smtClean="0"/>
-              <a:t>7/1/2018</a:t>
+              <a:t>5/12/2019</a:t>
             </a:fld>
             <a:endParaRPr lang="en-US"/>
           </a:p>
@@ -3704,8 +3704,12 @@
           <a:p>
             <a:pPr lvl="1"/>
             <a:r>
+              <a:rPr lang="en-US"/>
+              <a:t>Kotlin/Java </a:t>
+            </a:r>
+            <a:r>
               <a:rPr lang="en-US" dirty="0"/>
-              <a:t>Java (3500 LOC, 150KB jar)</a:t>
+              <a:t>(3500 LOC, 150KB jar)</a:t>
             </a:r>
           </a:p>
           <a:p>
@@ -3719,7 +3723,7 @@
             <a:pPr lvl="1"/>
             <a:r>
               <a:rPr lang="en-US" dirty="0"/>
-              <a:t>Python 2 &amp; 3 (with support for type hints, 700 LOC)</a:t>
+              <a:t>Python 3 (with support for type hints, 700 LOC)</a:t>
             </a:r>
           </a:p>
           <a:p>
